--- a/Applied Data Science - 02.pptx
+++ b/Applied Data Science - 02.pptx
@@ -212,7 +212,7 @@
           <a:p>
             <a:fld id="{F1D2C95C-E6C5-47EE-A945-EBB416EE6C3F}" type="datetimeFigureOut">
               <a:rPr lang="en-US" smtClean="0"/>
-              <a:t>3/29/2017</a:t>
+              <a:t>4/22/2017</a:t>
             </a:fld>
             <a:endParaRPr lang="en-US"/>
           </a:p>
@@ -632,7 +632,7 @@
           <a:p>
             <a:fld id="{BF4D7DE9-04F8-4F0B-A692-02FE1DAE9F6D}" type="datetimeFigureOut">
               <a:rPr lang="en-US" smtClean="0"/>
-              <a:t>3/29/2017</a:t>
+              <a:t>4/22/2017</a:t>
             </a:fld>
             <a:endParaRPr lang="en-US"/>
           </a:p>
@@ -897,7 +897,7 @@
           <a:p>
             <a:fld id="{BF4D7DE9-04F8-4F0B-A692-02FE1DAE9F6D}" type="datetimeFigureOut">
               <a:rPr lang="en-US" smtClean="0"/>
-              <a:t>3/29/2017</a:t>
+              <a:t>4/22/2017</a:t>
             </a:fld>
             <a:endParaRPr lang="en-US"/>
           </a:p>
@@ -1077,7 +1077,7 @@
           <a:p>
             <a:fld id="{BF4D7DE9-04F8-4F0B-A692-02FE1DAE9F6D}" type="datetimeFigureOut">
               <a:rPr lang="en-US" smtClean="0"/>
-              <a:t>3/29/2017</a:t>
+              <a:t>4/22/2017</a:t>
             </a:fld>
             <a:endParaRPr lang="en-US"/>
           </a:p>
@@ -1308,7 +1308,7 @@
           <a:p>
             <a:fld id="{BF4D7DE9-04F8-4F0B-A692-02FE1DAE9F6D}" type="datetimeFigureOut">
               <a:rPr lang="en-US" smtClean="0"/>
-              <a:t>3/29/2017</a:t>
+              <a:t>4/22/2017</a:t>
             </a:fld>
             <a:endParaRPr lang="en-US"/>
           </a:p>
@@ -1572,7 +1572,7 @@
           <a:p>
             <a:fld id="{BF4D7DE9-04F8-4F0B-A692-02FE1DAE9F6D}" type="datetimeFigureOut">
               <a:rPr lang="en-US" smtClean="0"/>
-              <a:t>3/29/2017</a:t>
+              <a:t>4/22/2017</a:t>
             </a:fld>
             <a:endParaRPr lang="en-US"/>
           </a:p>
@@ -1951,7 +1951,7 @@
           <a:p>
             <a:fld id="{BF4D7DE9-04F8-4F0B-A692-02FE1DAE9F6D}" type="datetimeFigureOut">
               <a:rPr lang="en-US" smtClean="0"/>
-              <a:t>3/29/2017</a:t>
+              <a:t>4/22/2017</a:t>
             </a:fld>
             <a:endParaRPr lang="en-US"/>
           </a:p>
@@ -2408,7 +2408,7 @@
           <a:p>
             <a:fld id="{BF4D7DE9-04F8-4F0B-A692-02FE1DAE9F6D}" type="datetimeFigureOut">
               <a:rPr lang="en-US" smtClean="0"/>
-              <a:t>3/29/2017</a:t>
+              <a:t>4/22/2017</a:t>
             </a:fld>
             <a:endParaRPr lang="en-US"/>
           </a:p>
@@ -2533,7 +2533,7 @@
           <a:p>
             <a:fld id="{BF4D7DE9-04F8-4F0B-A692-02FE1DAE9F6D}" type="datetimeFigureOut">
               <a:rPr lang="en-US" smtClean="0"/>
-              <a:t>3/29/2017</a:t>
+              <a:t>4/22/2017</a:t>
             </a:fld>
             <a:endParaRPr lang="en-US"/>
           </a:p>
@@ -2635,7 +2635,7 @@
           <a:p>
             <a:fld id="{BF4D7DE9-04F8-4F0B-A692-02FE1DAE9F6D}" type="datetimeFigureOut">
               <a:rPr lang="en-US" smtClean="0"/>
-              <a:t>3/29/2017</a:t>
+              <a:t>4/22/2017</a:t>
             </a:fld>
             <a:endParaRPr lang="en-US"/>
           </a:p>
@@ -2930,7 +2930,7 @@
           <a:p>
             <a:fld id="{BF4D7DE9-04F8-4F0B-A692-02FE1DAE9F6D}" type="datetimeFigureOut">
               <a:rPr lang="en-US" smtClean="0"/>
-              <a:t>3/29/2017</a:t>
+              <a:t>4/22/2017</a:t>
             </a:fld>
             <a:endParaRPr lang="en-US"/>
           </a:p>
@@ -3215,7 +3215,7 @@
           <a:p>
             <a:fld id="{BF4D7DE9-04F8-4F0B-A692-02FE1DAE9F6D}" type="datetimeFigureOut">
               <a:rPr lang="en-US" smtClean="0"/>
-              <a:t>3/29/2017</a:t>
+              <a:t>4/22/2017</a:t>
             </a:fld>
             <a:endParaRPr lang="en-US"/>
           </a:p>
@@ -3465,7 +3465,7 @@
           <a:p>
             <a:fld id="{BF4D7DE9-04F8-4F0B-A692-02FE1DAE9F6D}" type="datetimeFigureOut">
               <a:rPr lang="en-US" smtClean="0"/>
-              <a:t>3/29/2017</a:t>
+              <a:t>4/22/2017</a:t>
             </a:fld>
             <a:endParaRPr lang="en-US"/>
           </a:p>
